--- a/ppt 16-9/0620.主爱说不尽.pptx
+++ b/ppt 16-9/0620.主爱说不尽.pptx
@@ -5,7 +5,7 @@
     <p:sldMasterId id="2147483648" r:id="rId1"/>
   </p:sldMasterIdLst>
   <p:sldIdLst>
-    <p:sldId id="2413" r:id="rId2"/>
+    <p:sldId id="2415" r:id="rId2"/>
   </p:sldIdLst>
   <p:sldSz cx="12192000" cy="6858000"/>
   <p:notesSz cx="6858000" cy="9144000"/>
@@ -129,7 +129,7 @@
           <p:cNvPr id="2" name="标题 1">
             <a:extLst>
               <a:ext uri="{FF2B5EF4-FFF2-40B4-BE49-F238E27FC236}">
-                <a16:creationId xmlns:a16="http://schemas.microsoft.com/office/drawing/2014/main" id="{27716C32-4540-22FE-FD4E-740C5EC5E314}"/>
+                <a16:creationId xmlns:a16="http://schemas.microsoft.com/office/drawing/2014/main" id="{21FD29C3-AC41-1F0B-B14C-8CCC06F4DD2C}"/>
               </a:ext>
             </a:extLst>
           </p:cNvPr>
@@ -166,7 +166,7 @@
           <p:cNvPr id="3" name="副标题 2">
             <a:extLst>
               <a:ext uri="{FF2B5EF4-FFF2-40B4-BE49-F238E27FC236}">
-                <a16:creationId xmlns:a16="http://schemas.microsoft.com/office/drawing/2014/main" id="{CCA8E76F-B870-0D9B-8A73-78B38C6EFC3F}"/>
+                <a16:creationId xmlns:a16="http://schemas.microsoft.com/office/drawing/2014/main" id="{07A085E9-B6A7-4CDF-A223-D3B7B319F285}"/>
               </a:ext>
             </a:extLst>
           </p:cNvPr>
@@ -236,7 +236,7 @@
           <p:cNvPr id="4" name="日期占位符 3">
             <a:extLst>
               <a:ext uri="{FF2B5EF4-FFF2-40B4-BE49-F238E27FC236}">
-                <a16:creationId xmlns:a16="http://schemas.microsoft.com/office/drawing/2014/main" id="{34F61F77-500A-1369-BC10-BEC6BD543BD0}"/>
+                <a16:creationId xmlns:a16="http://schemas.microsoft.com/office/drawing/2014/main" id="{488416AD-B7C7-B74E-7933-FC1433AA26AA}"/>
               </a:ext>
             </a:extLst>
           </p:cNvPr>
@@ -252,7 +252,7 @@
           <a:bodyPr/>
           <a:lstStyle/>
           <a:p>
-            <a:fld id="{CEBF759B-3304-47C5-9749-E4035E3B0474}" type="datetimeFigureOut">
+            <a:fld id="{53DC187D-662C-46A3-AD30-B6FB5337A081}" type="datetimeFigureOut">
               <a:rPr lang="zh-CN" altLang="en-US" smtClean="0"/>
               <a:t>2024/3/10</a:t>
             </a:fld>
@@ -265,7 +265,7 @@
           <p:cNvPr id="5" name="页脚占位符 4">
             <a:extLst>
               <a:ext uri="{FF2B5EF4-FFF2-40B4-BE49-F238E27FC236}">
-                <a16:creationId xmlns:a16="http://schemas.microsoft.com/office/drawing/2014/main" id="{134C45C4-BB14-69FF-4C3B-0C2BC8E32B3E}"/>
+                <a16:creationId xmlns:a16="http://schemas.microsoft.com/office/drawing/2014/main" id="{3E725774-DE95-E17A-2936-87406223DDF8}"/>
               </a:ext>
             </a:extLst>
           </p:cNvPr>
@@ -290,7 +290,7 @@
           <p:cNvPr id="6" name="灯片编号占位符 5">
             <a:extLst>
               <a:ext uri="{FF2B5EF4-FFF2-40B4-BE49-F238E27FC236}">
-                <a16:creationId xmlns:a16="http://schemas.microsoft.com/office/drawing/2014/main" id="{723323F0-F88C-39ED-905B-85F56B4B3C4F}"/>
+                <a16:creationId xmlns:a16="http://schemas.microsoft.com/office/drawing/2014/main" id="{6DD8934D-A458-44A4-9109-BBF91EFBA4AE}"/>
               </a:ext>
             </a:extLst>
           </p:cNvPr>
@@ -306,7 +306,7 @@
           <a:bodyPr/>
           <a:lstStyle/>
           <a:p>
-            <a:fld id="{67F3A412-64A9-458C-B04D-7811C06F23F7}" type="slidenum">
+            <a:fld id="{09D9A95B-B16B-4731-A363-A36B223DFB9A}" type="slidenum">
               <a:rPr lang="zh-CN" altLang="en-US" smtClean="0"/>
               <a:t>‹#›</a:t>
             </a:fld>
@@ -317,7 +317,7 @@
     </p:spTree>
     <p:extLst>
       <p:ext uri="{BB962C8B-B14F-4D97-AF65-F5344CB8AC3E}">
-        <p14:creationId xmlns:p14="http://schemas.microsoft.com/office/powerpoint/2010/main" val="3244450856"/>
+        <p14:creationId xmlns:p14="http://schemas.microsoft.com/office/powerpoint/2010/main" val="1932663268"/>
       </p:ext>
     </p:extLst>
   </p:cSld>
@@ -349,7 +349,7 @@
           <p:cNvPr id="2" name="标题 1">
             <a:extLst>
               <a:ext uri="{FF2B5EF4-FFF2-40B4-BE49-F238E27FC236}">
-                <a16:creationId xmlns:a16="http://schemas.microsoft.com/office/drawing/2014/main" id="{6EFEC6F2-5445-8D27-CC9E-38A9AF6571B5}"/>
+                <a16:creationId xmlns:a16="http://schemas.microsoft.com/office/drawing/2014/main" id="{4C079031-7B4A-C820-C39D-CC21D50A6FAA}"/>
               </a:ext>
             </a:extLst>
           </p:cNvPr>
@@ -377,7 +377,7 @@
           <p:cNvPr id="3" name="竖排文字占位符 2">
             <a:extLst>
               <a:ext uri="{FF2B5EF4-FFF2-40B4-BE49-F238E27FC236}">
-                <a16:creationId xmlns:a16="http://schemas.microsoft.com/office/drawing/2014/main" id="{1E0F22D6-55D6-B662-F868-332F43781F64}"/>
+                <a16:creationId xmlns:a16="http://schemas.microsoft.com/office/drawing/2014/main" id="{6CE85383-885A-8D42-F023-694F5DE2D527}"/>
               </a:ext>
             </a:extLst>
           </p:cNvPr>
@@ -434,7 +434,7 @@
           <p:cNvPr id="4" name="日期占位符 3">
             <a:extLst>
               <a:ext uri="{FF2B5EF4-FFF2-40B4-BE49-F238E27FC236}">
-                <a16:creationId xmlns:a16="http://schemas.microsoft.com/office/drawing/2014/main" id="{448F6577-1977-2832-D484-CD67E97F011C}"/>
+                <a16:creationId xmlns:a16="http://schemas.microsoft.com/office/drawing/2014/main" id="{C11050E5-7BFA-CA20-E4CD-BB0EC5069C4F}"/>
               </a:ext>
             </a:extLst>
           </p:cNvPr>
@@ -450,7 +450,7 @@
           <a:bodyPr/>
           <a:lstStyle/>
           <a:p>
-            <a:fld id="{CEBF759B-3304-47C5-9749-E4035E3B0474}" type="datetimeFigureOut">
+            <a:fld id="{53DC187D-662C-46A3-AD30-B6FB5337A081}" type="datetimeFigureOut">
               <a:rPr lang="zh-CN" altLang="en-US" smtClean="0"/>
               <a:t>2024/3/10</a:t>
             </a:fld>
@@ -463,7 +463,7 @@
           <p:cNvPr id="5" name="页脚占位符 4">
             <a:extLst>
               <a:ext uri="{FF2B5EF4-FFF2-40B4-BE49-F238E27FC236}">
-                <a16:creationId xmlns:a16="http://schemas.microsoft.com/office/drawing/2014/main" id="{01F1C838-0A9D-8C6E-B777-FB13936E1996}"/>
+                <a16:creationId xmlns:a16="http://schemas.microsoft.com/office/drawing/2014/main" id="{FE7FB9A9-07CF-4FB0-8A47-7AB5107D8041}"/>
               </a:ext>
             </a:extLst>
           </p:cNvPr>
@@ -488,7 +488,7 @@
           <p:cNvPr id="6" name="灯片编号占位符 5">
             <a:extLst>
               <a:ext uri="{FF2B5EF4-FFF2-40B4-BE49-F238E27FC236}">
-                <a16:creationId xmlns:a16="http://schemas.microsoft.com/office/drawing/2014/main" id="{BAD319DE-3DFB-B879-FB7B-4598712EC093}"/>
+                <a16:creationId xmlns:a16="http://schemas.microsoft.com/office/drawing/2014/main" id="{14D86392-E560-A764-A624-06EA656B7B3E}"/>
               </a:ext>
             </a:extLst>
           </p:cNvPr>
@@ -504,7 +504,7 @@
           <a:bodyPr/>
           <a:lstStyle/>
           <a:p>
-            <a:fld id="{67F3A412-64A9-458C-B04D-7811C06F23F7}" type="slidenum">
+            <a:fld id="{09D9A95B-B16B-4731-A363-A36B223DFB9A}" type="slidenum">
               <a:rPr lang="zh-CN" altLang="en-US" smtClean="0"/>
               <a:t>‹#›</a:t>
             </a:fld>
@@ -515,7 +515,7 @@
     </p:spTree>
     <p:extLst>
       <p:ext uri="{BB962C8B-B14F-4D97-AF65-F5344CB8AC3E}">
-        <p14:creationId xmlns:p14="http://schemas.microsoft.com/office/powerpoint/2010/main" val="482733463"/>
+        <p14:creationId xmlns:p14="http://schemas.microsoft.com/office/powerpoint/2010/main" val="3235966169"/>
       </p:ext>
     </p:extLst>
   </p:cSld>
@@ -547,7 +547,7 @@
           <p:cNvPr id="2" name="竖排标题 1">
             <a:extLst>
               <a:ext uri="{FF2B5EF4-FFF2-40B4-BE49-F238E27FC236}">
-                <a16:creationId xmlns:a16="http://schemas.microsoft.com/office/drawing/2014/main" id="{F99BA5CF-229A-501E-0198-315DBB184CEF}"/>
+                <a16:creationId xmlns:a16="http://schemas.microsoft.com/office/drawing/2014/main" id="{A2F4D9AE-7A29-60A3-CDB6-74E9EEC4B9C6}"/>
               </a:ext>
             </a:extLst>
           </p:cNvPr>
@@ -580,7 +580,7 @@
           <p:cNvPr id="3" name="竖排文字占位符 2">
             <a:extLst>
               <a:ext uri="{FF2B5EF4-FFF2-40B4-BE49-F238E27FC236}">
-                <a16:creationId xmlns:a16="http://schemas.microsoft.com/office/drawing/2014/main" id="{FCFA0AE8-EA03-723A-389A-928A2596C601}"/>
+                <a16:creationId xmlns:a16="http://schemas.microsoft.com/office/drawing/2014/main" id="{A1011226-89F8-1020-1B07-DC355E51585D}"/>
               </a:ext>
             </a:extLst>
           </p:cNvPr>
@@ -642,7 +642,7 @@
           <p:cNvPr id="4" name="日期占位符 3">
             <a:extLst>
               <a:ext uri="{FF2B5EF4-FFF2-40B4-BE49-F238E27FC236}">
-                <a16:creationId xmlns:a16="http://schemas.microsoft.com/office/drawing/2014/main" id="{D54D09BA-8E19-D7A2-D3EC-6BF5BAF2204B}"/>
+                <a16:creationId xmlns:a16="http://schemas.microsoft.com/office/drawing/2014/main" id="{04C4695A-7B46-F3C0-4571-1DD5B79FD5BC}"/>
               </a:ext>
             </a:extLst>
           </p:cNvPr>
@@ -658,7 +658,7 @@
           <a:bodyPr/>
           <a:lstStyle/>
           <a:p>
-            <a:fld id="{CEBF759B-3304-47C5-9749-E4035E3B0474}" type="datetimeFigureOut">
+            <a:fld id="{53DC187D-662C-46A3-AD30-B6FB5337A081}" type="datetimeFigureOut">
               <a:rPr lang="zh-CN" altLang="en-US" smtClean="0"/>
               <a:t>2024/3/10</a:t>
             </a:fld>
@@ -671,7 +671,7 @@
           <p:cNvPr id="5" name="页脚占位符 4">
             <a:extLst>
               <a:ext uri="{FF2B5EF4-FFF2-40B4-BE49-F238E27FC236}">
-                <a16:creationId xmlns:a16="http://schemas.microsoft.com/office/drawing/2014/main" id="{7FE27E41-FBFC-A5D2-D947-0F53B8459286}"/>
+                <a16:creationId xmlns:a16="http://schemas.microsoft.com/office/drawing/2014/main" id="{0E0D17B9-13DF-E4A5-BC05-421102CB7FE6}"/>
               </a:ext>
             </a:extLst>
           </p:cNvPr>
@@ -696,7 +696,7 @@
           <p:cNvPr id="6" name="灯片编号占位符 5">
             <a:extLst>
               <a:ext uri="{FF2B5EF4-FFF2-40B4-BE49-F238E27FC236}">
-                <a16:creationId xmlns:a16="http://schemas.microsoft.com/office/drawing/2014/main" id="{B6D751DA-36CB-D96D-D92C-45B716B9F991}"/>
+                <a16:creationId xmlns:a16="http://schemas.microsoft.com/office/drawing/2014/main" id="{0B2EFC03-FC0F-ACD7-556F-02C815A015FD}"/>
               </a:ext>
             </a:extLst>
           </p:cNvPr>
@@ -712,7 +712,7 @@
           <a:bodyPr/>
           <a:lstStyle/>
           <a:p>
-            <a:fld id="{67F3A412-64A9-458C-B04D-7811C06F23F7}" type="slidenum">
+            <a:fld id="{09D9A95B-B16B-4731-A363-A36B223DFB9A}" type="slidenum">
               <a:rPr lang="zh-CN" altLang="en-US" smtClean="0"/>
               <a:t>‹#›</a:t>
             </a:fld>
@@ -723,7 +723,7 @@
     </p:spTree>
     <p:extLst>
       <p:ext uri="{BB962C8B-B14F-4D97-AF65-F5344CB8AC3E}">
-        <p14:creationId xmlns:p14="http://schemas.microsoft.com/office/powerpoint/2010/main" val="2291799480"/>
+        <p14:creationId xmlns:p14="http://schemas.microsoft.com/office/powerpoint/2010/main" val="3142182649"/>
       </p:ext>
     </p:extLst>
   </p:cSld>
@@ -755,7 +755,7 @@
           <p:cNvPr id="2" name="标题 1">
             <a:extLst>
               <a:ext uri="{FF2B5EF4-FFF2-40B4-BE49-F238E27FC236}">
-                <a16:creationId xmlns:a16="http://schemas.microsoft.com/office/drawing/2014/main" id="{4AE97B94-78B9-70F6-E514-8A281D83A965}"/>
+                <a16:creationId xmlns:a16="http://schemas.microsoft.com/office/drawing/2014/main" id="{2C547D25-CC14-EBF0-8C52-9967C7E0303D}"/>
               </a:ext>
             </a:extLst>
           </p:cNvPr>
@@ -783,7 +783,7 @@
           <p:cNvPr id="3" name="内容占位符 2">
             <a:extLst>
               <a:ext uri="{FF2B5EF4-FFF2-40B4-BE49-F238E27FC236}">
-                <a16:creationId xmlns:a16="http://schemas.microsoft.com/office/drawing/2014/main" id="{80AD52D1-85E7-85DC-DDBB-848A273E1D12}"/>
+                <a16:creationId xmlns:a16="http://schemas.microsoft.com/office/drawing/2014/main" id="{71F11E62-90BD-77EE-1E33-74895BC61906}"/>
               </a:ext>
             </a:extLst>
           </p:cNvPr>
@@ -840,7 +840,7 @@
           <p:cNvPr id="4" name="日期占位符 3">
             <a:extLst>
               <a:ext uri="{FF2B5EF4-FFF2-40B4-BE49-F238E27FC236}">
-                <a16:creationId xmlns:a16="http://schemas.microsoft.com/office/drawing/2014/main" id="{7D2529BC-D5DB-7885-7DBE-358E94FAD487}"/>
+                <a16:creationId xmlns:a16="http://schemas.microsoft.com/office/drawing/2014/main" id="{8563B69B-2735-1A62-80CC-1E52AD6C9209}"/>
               </a:ext>
             </a:extLst>
           </p:cNvPr>
@@ -856,7 +856,7 @@
           <a:bodyPr/>
           <a:lstStyle/>
           <a:p>
-            <a:fld id="{CEBF759B-3304-47C5-9749-E4035E3B0474}" type="datetimeFigureOut">
+            <a:fld id="{53DC187D-662C-46A3-AD30-B6FB5337A081}" type="datetimeFigureOut">
               <a:rPr lang="zh-CN" altLang="en-US" smtClean="0"/>
               <a:t>2024/3/10</a:t>
             </a:fld>
@@ -869,7 +869,7 @@
           <p:cNvPr id="5" name="页脚占位符 4">
             <a:extLst>
               <a:ext uri="{FF2B5EF4-FFF2-40B4-BE49-F238E27FC236}">
-                <a16:creationId xmlns:a16="http://schemas.microsoft.com/office/drawing/2014/main" id="{668DD654-3C9B-EEBD-52CC-4159C0AF4675}"/>
+                <a16:creationId xmlns:a16="http://schemas.microsoft.com/office/drawing/2014/main" id="{9A9C4D3D-D164-8603-CCD7-8D3BF7CCC08E}"/>
               </a:ext>
             </a:extLst>
           </p:cNvPr>
@@ -894,7 +894,7 @@
           <p:cNvPr id="6" name="灯片编号占位符 5">
             <a:extLst>
               <a:ext uri="{FF2B5EF4-FFF2-40B4-BE49-F238E27FC236}">
-                <a16:creationId xmlns:a16="http://schemas.microsoft.com/office/drawing/2014/main" id="{0FBFA02F-544A-1856-C95A-6D500453CDC9}"/>
+                <a16:creationId xmlns:a16="http://schemas.microsoft.com/office/drawing/2014/main" id="{826FF5FE-41DB-00C2-0632-7FBC124633F5}"/>
               </a:ext>
             </a:extLst>
           </p:cNvPr>
@@ -910,7 +910,7 @@
           <a:bodyPr/>
           <a:lstStyle/>
           <a:p>
-            <a:fld id="{67F3A412-64A9-458C-B04D-7811C06F23F7}" type="slidenum">
+            <a:fld id="{09D9A95B-B16B-4731-A363-A36B223DFB9A}" type="slidenum">
               <a:rPr lang="zh-CN" altLang="en-US" smtClean="0"/>
               <a:t>‹#›</a:t>
             </a:fld>
@@ -921,7 +921,7 @@
     </p:spTree>
     <p:extLst>
       <p:ext uri="{BB962C8B-B14F-4D97-AF65-F5344CB8AC3E}">
-        <p14:creationId xmlns:p14="http://schemas.microsoft.com/office/powerpoint/2010/main" val="3992451032"/>
+        <p14:creationId xmlns:p14="http://schemas.microsoft.com/office/powerpoint/2010/main" val="2391309742"/>
       </p:ext>
     </p:extLst>
   </p:cSld>
@@ -953,7 +953,7 @@
           <p:cNvPr id="2" name="标题 1">
             <a:extLst>
               <a:ext uri="{FF2B5EF4-FFF2-40B4-BE49-F238E27FC236}">
-                <a16:creationId xmlns:a16="http://schemas.microsoft.com/office/drawing/2014/main" id="{87CA03F3-0EEB-A00A-781A-EC793E3847B3}"/>
+                <a16:creationId xmlns:a16="http://schemas.microsoft.com/office/drawing/2014/main" id="{45B95C2F-94F4-56FA-A0E1-D89427613786}"/>
               </a:ext>
             </a:extLst>
           </p:cNvPr>
@@ -990,7 +990,7 @@
           <p:cNvPr id="3" name="文本占位符 2">
             <a:extLst>
               <a:ext uri="{FF2B5EF4-FFF2-40B4-BE49-F238E27FC236}">
-                <a16:creationId xmlns:a16="http://schemas.microsoft.com/office/drawing/2014/main" id="{E13E6712-27C7-EB49-B9E0-DDFC11DED146}"/>
+                <a16:creationId xmlns:a16="http://schemas.microsoft.com/office/drawing/2014/main" id="{7FE24105-8D64-AD53-8F4A-0ED15C82EE0F}"/>
               </a:ext>
             </a:extLst>
           </p:cNvPr>
@@ -1115,7 +1115,7 @@
           <p:cNvPr id="4" name="日期占位符 3">
             <a:extLst>
               <a:ext uri="{FF2B5EF4-FFF2-40B4-BE49-F238E27FC236}">
-                <a16:creationId xmlns:a16="http://schemas.microsoft.com/office/drawing/2014/main" id="{EE6BED31-82FB-9100-F59A-895FC7A840E2}"/>
+                <a16:creationId xmlns:a16="http://schemas.microsoft.com/office/drawing/2014/main" id="{5490A924-BF02-98AB-B635-0C00F68AD161}"/>
               </a:ext>
             </a:extLst>
           </p:cNvPr>
@@ -1131,7 +1131,7 @@
           <a:bodyPr/>
           <a:lstStyle/>
           <a:p>
-            <a:fld id="{CEBF759B-3304-47C5-9749-E4035E3B0474}" type="datetimeFigureOut">
+            <a:fld id="{53DC187D-662C-46A3-AD30-B6FB5337A081}" type="datetimeFigureOut">
               <a:rPr lang="zh-CN" altLang="en-US" smtClean="0"/>
               <a:t>2024/3/10</a:t>
             </a:fld>
@@ -1144,7 +1144,7 @@
           <p:cNvPr id="5" name="页脚占位符 4">
             <a:extLst>
               <a:ext uri="{FF2B5EF4-FFF2-40B4-BE49-F238E27FC236}">
-                <a16:creationId xmlns:a16="http://schemas.microsoft.com/office/drawing/2014/main" id="{A815A7FB-18B3-696E-6EDD-AB8758D56FA6}"/>
+                <a16:creationId xmlns:a16="http://schemas.microsoft.com/office/drawing/2014/main" id="{91EC3E54-CF2E-99FC-7071-B843CDA22208}"/>
               </a:ext>
             </a:extLst>
           </p:cNvPr>
@@ -1169,7 +1169,7 @@
           <p:cNvPr id="6" name="灯片编号占位符 5">
             <a:extLst>
               <a:ext uri="{FF2B5EF4-FFF2-40B4-BE49-F238E27FC236}">
-                <a16:creationId xmlns:a16="http://schemas.microsoft.com/office/drawing/2014/main" id="{6FEA3898-8947-032F-7F08-916D9168AB58}"/>
+                <a16:creationId xmlns:a16="http://schemas.microsoft.com/office/drawing/2014/main" id="{F46830C9-E1E4-777E-143E-219632B26589}"/>
               </a:ext>
             </a:extLst>
           </p:cNvPr>
@@ -1185,7 +1185,7 @@
           <a:bodyPr/>
           <a:lstStyle/>
           <a:p>
-            <a:fld id="{67F3A412-64A9-458C-B04D-7811C06F23F7}" type="slidenum">
+            <a:fld id="{09D9A95B-B16B-4731-A363-A36B223DFB9A}" type="slidenum">
               <a:rPr lang="zh-CN" altLang="en-US" smtClean="0"/>
               <a:t>‹#›</a:t>
             </a:fld>
@@ -1196,7 +1196,7 @@
     </p:spTree>
     <p:extLst>
       <p:ext uri="{BB962C8B-B14F-4D97-AF65-F5344CB8AC3E}">
-        <p14:creationId xmlns:p14="http://schemas.microsoft.com/office/powerpoint/2010/main" val="3977618546"/>
+        <p14:creationId xmlns:p14="http://schemas.microsoft.com/office/powerpoint/2010/main" val="2175085314"/>
       </p:ext>
     </p:extLst>
   </p:cSld>
@@ -1228,7 +1228,7 @@
           <p:cNvPr id="2" name="标题 1">
             <a:extLst>
               <a:ext uri="{FF2B5EF4-FFF2-40B4-BE49-F238E27FC236}">
-                <a16:creationId xmlns:a16="http://schemas.microsoft.com/office/drawing/2014/main" id="{A6C9C87D-8E11-C3CA-CD66-FFD09CEC088D}"/>
+                <a16:creationId xmlns:a16="http://schemas.microsoft.com/office/drawing/2014/main" id="{BB068AB1-23FC-AD2D-26DF-CE381616F95B}"/>
               </a:ext>
             </a:extLst>
           </p:cNvPr>
@@ -1256,7 +1256,7 @@
           <p:cNvPr id="3" name="内容占位符 2">
             <a:extLst>
               <a:ext uri="{FF2B5EF4-FFF2-40B4-BE49-F238E27FC236}">
-                <a16:creationId xmlns:a16="http://schemas.microsoft.com/office/drawing/2014/main" id="{231604E9-3C1F-BE26-C35C-B11E715AF9A6}"/>
+                <a16:creationId xmlns:a16="http://schemas.microsoft.com/office/drawing/2014/main" id="{E40E851C-1A77-87A8-43E2-39CC6136EDC2}"/>
               </a:ext>
             </a:extLst>
           </p:cNvPr>
@@ -1318,7 +1318,7 @@
           <p:cNvPr id="4" name="内容占位符 3">
             <a:extLst>
               <a:ext uri="{FF2B5EF4-FFF2-40B4-BE49-F238E27FC236}">
-                <a16:creationId xmlns:a16="http://schemas.microsoft.com/office/drawing/2014/main" id="{B693D08A-45B5-0775-098A-A5DCC87052F5}"/>
+                <a16:creationId xmlns:a16="http://schemas.microsoft.com/office/drawing/2014/main" id="{6DE237B7-CEF2-51B5-57E4-98555B09D93B}"/>
               </a:ext>
             </a:extLst>
           </p:cNvPr>
@@ -1380,7 +1380,7 @@
           <p:cNvPr id="5" name="日期占位符 4">
             <a:extLst>
               <a:ext uri="{FF2B5EF4-FFF2-40B4-BE49-F238E27FC236}">
-                <a16:creationId xmlns:a16="http://schemas.microsoft.com/office/drawing/2014/main" id="{1011D949-F982-6F9B-ECD7-E6391E1435DA}"/>
+                <a16:creationId xmlns:a16="http://schemas.microsoft.com/office/drawing/2014/main" id="{810C3823-EB56-9C40-DD8D-DF2360F8E939}"/>
               </a:ext>
             </a:extLst>
           </p:cNvPr>
@@ -1396,7 +1396,7 @@
           <a:bodyPr/>
           <a:lstStyle/>
           <a:p>
-            <a:fld id="{CEBF759B-3304-47C5-9749-E4035E3B0474}" type="datetimeFigureOut">
+            <a:fld id="{53DC187D-662C-46A3-AD30-B6FB5337A081}" type="datetimeFigureOut">
               <a:rPr lang="zh-CN" altLang="en-US" smtClean="0"/>
               <a:t>2024/3/10</a:t>
             </a:fld>
@@ -1409,7 +1409,7 @@
           <p:cNvPr id="6" name="页脚占位符 5">
             <a:extLst>
               <a:ext uri="{FF2B5EF4-FFF2-40B4-BE49-F238E27FC236}">
-                <a16:creationId xmlns:a16="http://schemas.microsoft.com/office/drawing/2014/main" id="{4E863353-D431-4D2F-889A-501CE3EAC3C3}"/>
+                <a16:creationId xmlns:a16="http://schemas.microsoft.com/office/drawing/2014/main" id="{E38F1FC1-A8A5-43AC-52C2-C9A48EF7E514}"/>
               </a:ext>
             </a:extLst>
           </p:cNvPr>
@@ -1434,7 +1434,7 @@
           <p:cNvPr id="7" name="灯片编号占位符 6">
             <a:extLst>
               <a:ext uri="{FF2B5EF4-FFF2-40B4-BE49-F238E27FC236}">
-                <a16:creationId xmlns:a16="http://schemas.microsoft.com/office/drawing/2014/main" id="{067E789C-58EF-B8C0-A1DD-4D682FCF4A5A}"/>
+                <a16:creationId xmlns:a16="http://schemas.microsoft.com/office/drawing/2014/main" id="{6FD22B0C-3B24-7085-6D79-4AF620722885}"/>
               </a:ext>
             </a:extLst>
           </p:cNvPr>
@@ -1450,7 +1450,7 @@
           <a:bodyPr/>
           <a:lstStyle/>
           <a:p>
-            <a:fld id="{67F3A412-64A9-458C-B04D-7811C06F23F7}" type="slidenum">
+            <a:fld id="{09D9A95B-B16B-4731-A363-A36B223DFB9A}" type="slidenum">
               <a:rPr lang="zh-CN" altLang="en-US" smtClean="0"/>
               <a:t>‹#›</a:t>
             </a:fld>
@@ -1461,7 +1461,7 @@
     </p:spTree>
     <p:extLst>
       <p:ext uri="{BB962C8B-B14F-4D97-AF65-F5344CB8AC3E}">
-        <p14:creationId xmlns:p14="http://schemas.microsoft.com/office/powerpoint/2010/main" val="290297883"/>
+        <p14:creationId xmlns:p14="http://schemas.microsoft.com/office/powerpoint/2010/main" val="3555088949"/>
       </p:ext>
     </p:extLst>
   </p:cSld>
@@ -1493,7 +1493,7 @@
           <p:cNvPr id="2" name="标题 1">
             <a:extLst>
               <a:ext uri="{FF2B5EF4-FFF2-40B4-BE49-F238E27FC236}">
-                <a16:creationId xmlns:a16="http://schemas.microsoft.com/office/drawing/2014/main" id="{4B8192FE-1E3E-C786-B14F-C87EFF220995}"/>
+                <a16:creationId xmlns:a16="http://schemas.microsoft.com/office/drawing/2014/main" id="{81C8A4ED-0CAD-5C41-4A48-DF8AE7DDBCE2}"/>
               </a:ext>
             </a:extLst>
           </p:cNvPr>
@@ -1526,7 +1526,7 @@
           <p:cNvPr id="3" name="文本占位符 2">
             <a:extLst>
               <a:ext uri="{FF2B5EF4-FFF2-40B4-BE49-F238E27FC236}">
-                <a16:creationId xmlns:a16="http://schemas.microsoft.com/office/drawing/2014/main" id="{D588B0AA-063F-02FC-F7D0-EEED2BEDA253}"/>
+                <a16:creationId xmlns:a16="http://schemas.microsoft.com/office/drawing/2014/main" id="{923D7643-7D2D-70A2-E57B-5608A2E1F845}"/>
               </a:ext>
             </a:extLst>
           </p:cNvPr>
@@ -1597,7 +1597,7 @@
           <p:cNvPr id="4" name="内容占位符 3">
             <a:extLst>
               <a:ext uri="{FF2B5EF4-FFF2-40B4-BE49-F238E27FC236}">
-                <a16:creationId xmlns:a16="http://schemas.microsoft.com/office/drawing/2014/main" id="{39ADF718-865B-210F-38B7-30A70E009362}"/>
+                <a16:creationId xmlns:a16="http://schemas.microsoft.com/office/drawing/2014/main" id="{2A839BD8-4D93-1D8E-898B-3FFC978AD5DE}"/>
               </a:ext>
             </a:extLst>
           </p:cNvPr>
@@ -1659,7 +1659,7 @@
           <p:cNvPr id="5" name="文本占位符 4">
             <a:extLst>
               <a:ext uri="{FF2B5EF4-FFF2-40B4-BE49-F238E27FC236}">
-                <a16:creationId xmlns:a16="http://schemas.microsoft.com/office/drawing/2014/main" id="{C61CF880-3D11-5F44-939D-48E4849A808F}"/>
+                <a16:creationId xmlns:a16="http://schemas.microsoft.com/office/drawing/2014/main" id="{A8C1834D-4D1F-53D6-3958-75FEF143372D}"/>
               </a:ext>
             </a:extLst>
           </p:cNvPr>
@@ -1730,7 +1730,7 @@
           <p:cNvPr id="6" name="内容占位符 5">
             <a:extLst>
               <a:ext uri="{FF2B5EF4-FFF2-40B4-BE49-F238E27FC236}">
-                <a16:creationId xmlns:a16="http://schemas.microsoft.com/office/drawing/2014/main" id="{AB7DAC5F-669D-1F9A-AE19-95794993F29C}"/>
+                <a16:creationId xmlns:a16="http://schemas.microsoft.com/office/drawing/2014/main" id="{B4FC672D-4567-B3CD-C67D-40B481493F4B}"/>
               </a:ext>
             </a:extLst>
           </p:cNvPr>
@@ -1792,7 +1792,7 @@
           <p:cNvPr id="7" name="日期占位符 6">
             <a:extLst>
               <a:ext uri="{FF2B5EF4-FFF2-40B4-BE49-F238E27FC236}">
-                <a16:creationId xmlns:a16="http://schemas.microsoft.com/office/drawing/2014/main" id="{015E0F41-81A4-9EE5-8CE1-8998E55B03C3}"/>
+                <a16:creationId xmlns:a16="http://schemas.microsoft.com/office/drawing/2014/main" id="{5FC2C35A-6F2A-7B41-F149-2472A4299311}"/>
               </a:ext>
             </a:extLst>
           </p:cNvPr>
@@ -1808,7 +1808,7 @@
           <a:bodyPr/>
           <a:lstStyle/>
           <a:p>
-            <a:fld id="{CEBF759B-3304-47C5-9749-E4035E3B0474}" type="datetimeFigureOut">
+            <a:fld id="{53DC187D-662C-46A3-AD30-B6FB5337A081}" type="datetimeFigureOut">
               <a:rPr lang="zh-CN" altLang="en-US" smtClean="0"/>
               <a:t>2024/3/10</a:t>
             </a:fld>
@@ -1821,7 +1821,7 @@
           <p:cNvPr id="8" name="页脚占位符 7">
             <a:extLst>
               <a:ext uri="{FF2B5EF4-FFF2-40B4-BE49-F238E27FC236}">
-                <a16:creationId xmlns:a16="http://schemas.microsoft.com/office/drawing/2014/main" id="{85B5DD59-56DB-2315-478A-A9BA09169F21}"/>
+                <a16:creationId xmlns:a16="http://schemas.microsoft.com/office/drawing/2014/main" id="{D682E980-1ABB-AA68-3EAF-6CBE40B85F8B}"/>
               </a:ext>
             </a:extLst>
           </p:cNvPr>
@@ -1846,7 +1846,7 @@
           <p:cNvPr id="9" name="灯片编号占位符 8">
             <a:extLst>
               <a:ext uri="{FF2B5EF4-FFF2-40B4-BE49-F238E27FC236}">
-                <a16:creationId xmlns:a16="http://schemas.microsoft.com/office/drawing/2014/main" id="{A82A37B9-7E38-C744-BFF6-16E7D4F10710}"/>
+                <a16:creationId xmlns:a16="http://schemas.microsoft.com/office/drawing/2014/main" id="{71CFEC80-E00C-32E9-22B7-6CADE98EB0E3}"/>
               </a:ext>
             </a:extLst>
           </p:cNvPr>
@@ -1862,7 +1862,7 @@
           <a:bodyPr/>
           <a:lstStyle/>
           <a:p>
-            <a:fld id="{67F3A412-64A9-458C-B04D-7811C06F23F7}" type="slidenum">
+            <a:fld id="{09D9A95B-B16B-4731-A363-A36B223DFB9A}" type="slidenum">
               <a:rPr lang="zh-CN" altLang="en-US" smtClean="0"/>
               <a:t>‹#›</a:t>
             </a:fld>
@@ -1873,7 +1873,7 @@
     </p:spTree>
     <p:extLst>
       <p:ext uri="{BB962C8B-B14F-4D97-AF65-F5344CB8AC3E}">
-        <p14:creationId xmlns:p14="http://schemas.microsoft.com/office/powerpoint/2010/main" val="659024346"/>
+        <p14:creationId xmlns:p14="http://schemas.microsoft.com/office/powerpoint/2010/main" val="165612124"/>
       </p:ext>
     </p:extLst>
   </p:cSld>
@@ -1905,7 +1905,7 @@
           <p:cNvPr id="2" name="标题 1">
             <a:extLst>
               <a:ext uri="{FF2B5EF4-FFF2-40B4-BE49-F238E27FC236}">
-                <a16:creationId xmlns:a16="http://schemas.microsoft.com/office/drawing/2014/main" id="{4E956BF0-7631-8420-B349-8BC316973EE9}"/>
+                <a16:creationId xmlns:a16="http://schemas.microsoft.com/office/drawing/2014/main" id="{3A711FFC-3645-61AF-289B-D72FC66159F9}"/>
               </a:ext>
             </a:extLst>
           </p:cNvPr>
@@ -1933,7 +1933,7 @@
           <p:cNvPr id="3" name="日期占位符 2">
             <a:extLst>
               <a:ext uri="{FF2B5EF4-FFF2-40B4-BE49-F238E27FC236}">
-                <a16:creationId xmlns:a16="http://schemas.microsoft.com/office/drawing/2014/main" id="{9074DBA1-188C-05A8-028D-F127E7603CFD}"/>
+                <a16:creationId xmlns:a16="http://schemas.microsoft.com/office/drawing/2014/main" id="{288FAC1B-AC74-77DA-45D4-055D2040B3BA}"/>
               </a:ext>
             </a:extLst>
           </p:cNvPr>
@@ -1949,7 +1949,7 @@
           <a:bodyPr/>
           <a:lstStyle/>
           <a:p>
-            <a:fld id="{CEBF759B-3304-47C5-9749-E4035E3B0474}" type="datetimeFigureOut">
+            <a:fld id="{53DC187D-662C-46A3-AD30-B6FB5337A081}" type="datetimeFigureOut">
               <a:rPr lang="zh-CN" altLang="en-US" smtClean="0"/>
               <a:t>2024/3/10</a:t>
             </a:fld>
@@ -1962,7 +1962,7 @@
           <p:cNvPr id="4" name="页脚占位符 3">
             <a:extLst>
               <a:ext uri="{FF2B5EF4-FFF2-40B4-BE49-F238E27FC236}">
-                <a16:creationId xmlns:a16="http://schemas.microsoft.com/office/drawing/2014/main" id="{A8DE0B0F-3101-3FAC-5B34-7A78ACC39478}"/>
+                <a16:creationId xmlns:a16="http://schemas.microsoft.com/office/drawing/2014/main" id="{DEAB7936-968C-8D73-E848-065EAC1A1D96}"/>
               </a:ext>
             </a:extLst>
           </p:cNvPr>
@@ -1987,7 +1987,7 @@
           <p:cNvPr id="5" name="灯片编号占位符 4">
             <a:extLst>
               <a:ext uri="{FF2B5EF4-FFF2-40B4-BE49-F238E27FC236}">
-                <a16:creationId xmlns:a16="http://schemas.microsoft.com/office/drawing/2014/main" id="{B3DBF02A-40D9-AA58-1D38-191CDEEC171F}"/>
+                <a16:creationId xmlns:a16="http://schemas.microsoft.com/office/drawing/2014/main" id="{0F2B3B5D-5262-A194-7158-025A26F6B0C6}"/>
               </a:ext>
             </a:extLst>
           </p:cNvPr>
@@ -2003,7 +2003,7 @@
           <a:bodyPr/>
           <a:lstStyle/>
           <a:p>
-            <a:fld id="{67F3A412-64A9-458C-B04D-7811C06F23F7}" type="slidenum">
+            <a:fld id="{09D9A95B-B16B-4731-A363-A36B223DFB9A}" type="slidenum">
               <a:rPr lang="zh-CN" altLang="en-US" smtClean="0"/>
               <a:t>‹#›</a:t>
             </a:fld>
@@ -2014,7 +2014,7 @@
     </p:spTree>
     <p:extLst>
       <p:ext uri="{BB962C8B-B14F-4D97-AF65-F5344CB8AC3E}">
-        <p14:creationId xmlns:p14="http://schemas.microsoft.com/office/powerpoint/2010/main" val="1880929925"/>
+        <p14:creationId xmlns:p14="http://schemas.microsoft.com/office/powerpoint/2010/main" val="900189528"/>
       </p:ext>
     </p:extLst>
   </p:cSld>
@@ -2046,7 +2046,7 @@
           <p:cNvPr id="2" name="日期占位符 1">
             <a:extLst>
               <a:ext uri="{FF2B5EF4-FFF2-40B4-BE49-F238E27FC236}">
-                <a16:creationId xmlns:a16="http://schemas.microsoft.com/office/drawing/2014/main" id="{C73B65D8-1296-2E0D-FA45-66253E8ACBEE}"/>
+                <a16:creationId xmlns:a16="http://schemas.microsoft.com/office/drawing/2014/main" id="{CAF74AD1-CC10-D4EF-085F-F8B09D5F2242}"/>
               </a:ext>
             </a:extLst>
           </p:cNvPr>
@@ -2062,7 +2062,7 @@
           <a:bodyPr/>
           <a:lstStyle/>
           <a:p>
-            <a:fld id="{CEBF759B-3304-47C5-9749-E4035E3B0474}" type="datetimeFigureOut">
+            <a:fld id="{53DC187D-662C-46A3-AD30-B6FB5337A081}" type="datetimeFigureOut">
               <a:rPr lang="zh-CN" altLang="en-US" smtClean="0"/>
               <a:t>2024/3/10</a:t>
             </a:fld>
@@ -2075,7 +2075,7 @@
           <p:cNvPr id="3" name="页脚占位符 2">
             <a:extLst>
               <a:ext uri="{FF2B5EF4-FFF2-40B4-BE49-F238E27FC236}">
-                <a16:creationId xmlns:a16="http://schemas.microsoft.com/office/drawing/2014/main" id="{E9955DB3-A8B9-00B3-E749-E6C4CE0F12A5}"/>
+                <a16:creationId xmlns:a16="http://schemas.microsoft.com/office/drawing/2014/main" id="{38B5F207-9662-FC01-4B77-86981C6D815F}"/>
               </a:ext>
             </a:extLst>
           </p:cNvPr>
@@ -2100,7 +2100,7 @@
           <p:cNvPr id="4" name="灯片编号占位符 3">
             <a:extLst>
               <a:ext uri="{FF2B5EF4-FFF2-40B4-BE49-F238E27FC236}">
-                <a16:creationId xmlns:a16="http://schemas.microsoft.com/office/drawing/2014/main" id="{FA47ED11-C5CC-7E2C-1D2A-4AAB5C68287F}"/>
+                <a16:creationId xmlns:a16="http://schemas.microsoft.com/office/drawing/2014/main" id="{82715D21-6400-D076-85EF-4824F3611A59}"/>
               </a:ext>
             </a:extLst>
           </p:cNvPr>
@@ -2116,7 +2116,7 @@
           <a:bodyPr/>
           <a:lstStyle/>
           <a:p>
-            <a:fld id="{67F3A412-64A9-458C-B04D-7811C06F23F7}" type="slidenum">
+            <a:fld id="{09D9A95B-B16B-4731-A363-A36B223DFB9A}" type="slidenum">
               <a:rPr lang="zh-CN" altLang="en-US" smtClean="0"/>
               <a:t>‹#›</a:t>
             </a:fld>
@@ -2127,7 +2127,7 @@
     </p:spTree>
     <p:extLst>
       <p:ext uri="{BB962C8B-B14F-4D97-AF65-F5344CB8AC3E}">
-        <p14:creationId xmlns:p14="http://schemas.microsoft.com/office/powerpoint/2010/main" val="100431454"/>
+        <p14:creationId xmlns:p14="http://schemas.microsoft.com/office/powerpoint/2010/main" val="2427961964"/>
       </p:ext>
     </p:extLst>
   </p:cSld>
@@ -2159,7 +2159,7 @@
           <p:cNvPr id="2" name="标题 1">
             <a:extLst>
               <a:ext uri="{FF2B5EF4-FFF2-40B4-BE49-F238E27FC236}">
-                <a16:creationId xmlns:a16="http://schemas.microsoft.com/office/drawing/2014/main" id="{2EBF2C15-2EE2-B855-C508-D4D5B893BB13}"/>
+                <a16:creationId xmlns:a16="http://schemas.microsoft.com/office/drawing/2014/main" id="{EE29E886-9FD6-6268-13DD-43639BF27284}"/>
               </a:ext>
             </a:extLst>
           </p:cNvPr>
@@ -2196,7 +2196,7 @@
           <p:cNvPr id="3" name="内容占位符 2">
             <a:extLst>
               <a:ext uri="{FF2B5EF4-FFF2-40B4-BE49-F238E27FC236}">
-                <a16:creationId xmlns:a16="http://schemas.microsoft.com/office/drawing/2014/main" id="{23D68984-BBA3-5E17-F542-FF5CD8CFB9AB}"/>
+                <a16:creationId xmlns:a16="http://schemas.microsoft.com/office/drawing/2014/main" id="{6553A717-53DC-FBFA-9074-BB09B1359887}"/>
               </a:ext>
             </a:extLst>
           </p:cNvPr>
@@ -2286,7 +2286,7 @@
           <p:cNvPr id="4" name="文本占位符 3">
             <a:extLst>
               <a:ext uri="{FF2B5EF4-FFF2-40B4-BE49-F238E27FC236}">
-                <a16:creationId xmlns:a16="http://schemas.microsoft.com/office/drawing/2014/main" id="{8F73F8A9-429A-F145-E556-E816CD61A2D8}"/>
+                <a16:creationId xmlns:a16="http://schemas.microsoft.com/office/drawing/2014/main" id="{420C26F8-CD8E-01DD-1D6E-89173ABC7618}"/>
               </a:ext>
             </a:extLst>
           </p:cNvPr>
@@ -2357,7 +2357,7 @@
           <p:cNvPr id="5" name="日期占位符 4">
             <a:extLst>
               <a:ext uri="{FF2B5EF4-FFF2-40B4-BE49-F238E27FC236}">
-                <a16:creationId xmlns:a16="http://schemas.microsoft.com/office/drawing/2014/main" id="{59BDB1B4-3F15-B0AB-61DD-BD30EAADB48D}"/>
+                <a16:creationId xmlns:a16="http://schemas.microsoft.com/office/drawing/2014/main" id="{F736EF2C-D412-283A-A549-47BADA9A9DCC}"/>
               </a:ext>
             </a:extLst>
           </p:cNvPr>
@@ -2373,7 +2373,7 @@
           <a:bodyPr/>
           <a:lstStyle/>
           <a:p>
-            <a:fld id="{CEBF759B-3304-47C5-9749-E4035E3B0474}" type="datetimeFigureOut">
+            <a:fld id="{53DC187D-662C-46A3-AD30-B6FB5337A081}" type="datetimeFigureOut">
               <a:rPr lang="zh-CN" altLang="en-US" smtClean="0"/>
               <a:t>2024/3/10</a:t>
             </a:fld>
@@ -2386,7 +2386,7 @@
           <p:cNvPr id="6" name="页脚占位符 5">
             <a:extLst>
               <a:ext uri="{FF2B5EF4-FFF2-40B4-BE49-F238E27FC236}">
-                <a16:creationId xmlns:a16="http://schemas.microsoft.com/office/drawing/2014/main" id="{3D56F4C7-D03F-8EE5-F313-CEA19050D54F}"/>
+                <a16:creationId xmlns:a16="http://schemas.microsoft.com/office/drawing/2014/main" id="{0A097B7C-BF26-2EC7-47DA-8B44A710D5BA}"/>
               </a:ext>
             </a:extLst>
           </p:cNvPr>
@@ -2411,7 +2411,7 @@
           <p:cNvPr id="7" name="灯片编号占位符 6">
             <a:extLst>
               <a:ext uri="{FF2B5EF4-FFF2-40B4-BE49-F238E27FC236}">
-                <a16:creationId xmlns:a16="http://schemas.microsoft.com/office/drawing/2014/main" id="{191F5B5D-744B-E24D-12ED-F88A02AF4239}"/>
+                <a16:creationId xmlns:a16="http://schemas.microsoft.com/office/drawing/2014/main" id="{6FE3A9F8-C1A2-788C-8BF3-D862265AAEF2}"/>
               </a:ext>
             </a:extLst>
           </p:cNvPr>
@@ -2427,7 +2427,7 @@
           <a:bodyPr/>
           <a:lstStyle/>
           <a:p>
-            <a:fld id="{67F3A412-64A9-458C-B04D-7811C06F23F7}" type="slidenum">
+            <a:fld id="{09D9A95B-B16B-4731-A363-A36B223DFB9A}" type="slidenum">
               <a:rPr lang="zh-CN" altLang="en-US" smtClean="0"/>
               <a:t>‹#›</a:t>
             </a:fld>
@@ -2438,7 +2438,7 @@
     </p:spTree>
     <p:extLst>
       <p:ext uri="{BB962C8B-B14F-4D97-AF65-F5344CB8AC3E}">
-        <p14:creationId xmlns:p14="http://schemas.microsoft.com/office/powerpoint/2010/main" val="3590829437"/>
+        <p14:creationId xmlns:p14="http://schemas.microsoft.com/office/powerpoint/2010/main" val="1515505517"/>
       </p:ext>
     </p:extLst>
   </p:cSld>
@@ -2470,7 +2470,7 @@
           <p:cNvPr id="2" name="标题 1">
             <a:extLst>
               <a:ext uri="{FF2B5EF4-FFF2-40B4-BE49-F238E27FC236}">
-                <a16:creationId xmlns:a16="http://schemas.microsoft.com/office/drawing/2014/main" id="{C6160B0C-B4E8-9465-49E4-2A1DCCE8E7CA}"/>
+                <a16:creationId xmlns:a16="http://schemas.microsoft.com/office/drawing/2014/main" id="{CA9CDA3E-8200-FF08-00CF-2037809A3698}"/>
               </a:ext>
             </a:extLst>
           </p:cNvPr>
@@ -2507,7 +2507,7 @@
           <p:cNvPr id="3" name="图片占位符 2">
             <a:extLst>
               <a:ext uri="{FF2B5EF4-FFF2-40B4-BE49-F238E27FC236}">
-                <a16:creationId xmlns:a16="http://schemas.microsoft.com/office/drawing/2014/main" id="{7CEFFE12-554F-47A7-DC15-1FC1B0E30787}"/>
+                <a16:creationId xmlns:a16="http://schemas.microsoft.com/office/drawing/2014/main" id="{C6965B72-855B-1EA3-E133-A75EE054DF41}"/>
               </a:ext>
             </a:extLst>
           </p:cNvPr>
@@ -2574,7 +2574,7 @@
           <p:cNvPr id="4" name="文本占位符 3">
             <a:extLst>
               <a:ext uri="{FF2B5EF4-FFF2-40B4-BE49-F238E27FC236}">
-                <a16:creationId xmlns:a16="http://schemas.microsoft.com/office/drawing/2014/main" id="{F29687BF-2BD7-DAAB-9471-3413F3A5017D}"/>
+                <a16:creationId xmlns:a16="http://schemas.microsoft.com/office/drawing/2014/main" id="{75A3C917-DC8F-C653-A161-E966029809D1}"/>
               </a:ext>
             </a:extLst>
           </p:cNvPr>
@@ -2645,7 +2645,7 @@
           <p:cNvPr id="5" name="日期占位符 4">
             <a:extLst>
               <a:ext uri="{FF2B5EF4-FFF2-40B4-BE49-F238E27FC236}">
-                <a16:creationId xmlns:a16="http://schemas.microsoft.com/office/drawing/2014/main" id="{714BF38A-8CF2-6A26-97AF-5F8267386312}"/>
+                <a16:creationId xmlns:a16="http://schemas.microsoft.com/office/drawing/2014/main" id="{5A41657B-4F18-35D6-E952-BED0C8751FAD}"/>
               </a:ext>
             </a:extLst>
           </p:cNvPr>
@@ -2661,7 +2661,7 @@
           <a:bodyPr/>
           <a:lstStyle/>
           <a:p>
-            <a:fld id="{CEBF759B-3304-47C5-9749-E4035E3B0474}" type="datetimeFigureOut">
+            <a:fld id="{53DC187D-662C-46A3-AD30-B6FB5337A081}" type="datetimeFigureOut">
               <a:rPr lang="zh-CN" altLang="en-US" smtClean="0"/>
               <a:t>2024/3/10</a:t>
             </a:fld>
@@ -2674,7 +2674,7 @@
           <p:cNvPr id="6" name="页脚占位符 5">
             <a:extLst>
               <a:ext uri="{FF2B5EF4-FFF2-40B4-BE49-F238E27FC236}">
-                <a16:creationId xmlns:a16="http://schemas.microsoft.com/office/drawing/2014/main" id="{14A53997-E4A2-5CB3-82EF-4ECD713B2C1C}"/>
+                <a16:creationId xmlns:a16="http://schemas.microsoft.com/office/drawing/2014/main" id="{A5D48AF1-CB11-7D80-C488-CAC1E08917DD}"/>
               </a:ext>
             </a:extLst>
           </p:cNvPr>
@@ -2699,7 +2699,7 @@
           <p:cNvPr id="7" name="灯片编号占位符 6">
             <a:extLst>
               <a:ext uri="{FF2B5EF4-FFF2-40B4-BE49-F238E27FC236}">
-                <a16:creationId xmlns:a16="http://schemas.microsoft.com/office/drawing/2014/main" id="{69E8E6B5-3CE2-D262-32BF-B3E57C55902D}"/>
+                <a16:creationId xmlns:a16="http://schemas.microsoft.com/office/drawing/2014/main" id="{05643527-97E2-ACE0-1959-664AF71070F4}"/>
               </a:ext>
             </a:extLst>
           </p:cNvPr>
@@ -2715,7 +2715,7 @@
           <a:bodyPr/>
           <a:lstStyle/>
           <a:p>
-            <a:fld id="{67F3A412-64A9-458C-B04D-7811C06F23F7}" type="slidenum">
+            <a:fld id="{09D9A95B-B16B-4731-A363-A36B223DFB9A}" type="slidenum">
               <a:rPr lang="zh-CN" altLang="en-US" smtClean="0"/>
               <a:t>‹#›</a:t>
             </a:fld>
@@ -2726,7 +2726,7 @@
     </p:spTree>
     <p:extLst>
       <p:ext uri="{BB962C8B-B14F-4D97-AF65-F5344CB8AC3E}">
-        <p14:creationId xmlns:p14="http://schemas.microsoft.com/office/powerpoint/2010/main" val="1463838257"/>
+        <p14:creationId xmlns:p14="http://schemas.microsoft.com/office/powerpoint/2010/main" val="2249449141"/>
       </p:ext>
     </p:extLst>
   </p:cSld>
@@ -2763,7 +2763,7 @@
           <p:cNvPr id="2" name="标题占位符 1">
             <a:extLst>
               <a:ext uri="{FF2B5EF4-FFF2-40B4-BE49-F238E27FC236}">
-                <a16:creationId xmlns:a16="http://schemas.microsoft.com/office/drawing/2014/main" id="{AFF496DF-FE77-9C22-88A9-579D6742A406}"/>
+                <a16:creationId xmlns:a16="http://schemas.microsoft.com/office/drawing/2014/main" id="{3821EE74-7AA0-8CF3-79D1-FDFD40BD23ED}"/>
               </a:ext>
             </a:extLst>
           </p:cNvPr>
@@ -2801,7 +2801,7 @@
           <p:cNvPr id="3" name="文本占位符 2">
             <a:extLst>
               <a:ext uri="{FF2B5EF4-FFF2-40B4-BE49-F238E27FC236}">
-                <a16:creationId xmlns:a16="http://schemas.microsoft.com/office/drawing/2014/main" id="{7F3F03A7-54AF-F615-FFCC-3C41C7F1137C}"/>
+                <a16:creationId xmlns:a16="http://schemas.microsoft.com/office/drawing/2014/main" id="{9B8E9A3D-4AF9-13ED-696B-CD0B23CA75B6}"/>
               </a:ext>
             </a:extLst>
           </p:cNvPr>
@@ -2868,7 +2868,7 @@
           <p:cNvPr id="4" name="日期占位符 3">
             <a:extLst>
               <a:ext uri="{FF2B5EF4-FFF2-40B4-BE49-F238E27FC236}">
-                <a16:creationId xmlns:a16="http://schemas.microsoft.com/office/drawing/2014/main" id="{AA84BC2D-9266-8611-D2C7-122C2159033A}"/>
+                <a16:creationId xmlns:a16="http://schemas.microsoft.com/office/drawing/2014/main" id="{84280FA8-600E-327A-4177-17DD0262EB94}"/>
               </a:ext>
             </a:extLst>
           </p:cNvPr>
@@ -2902,7 +2902,7 @@
             </a:lvl1pPr>
           </a:lstStyle>
           <a:p>
-            <a:fld id="{CEBF759B-3304-47C5-9749-E4035E3B0474}" type="datetimeFigureOut">
+            <a:fld id="{53DC187D-662C-46A3-AD30-B6FB5337A081}" type="datetimeFigureOut">
               <a:rPr lang="zh-CN" altLang="en-US" smtClean="0"/>
               <a:t>2024/3/10</a:t>
             </a:fld>
@@ -2915,7 +2915,7 @@
           <p:cNvPr id="5" name="页脚占位符 4">
             <a:extLst>
               <a:ext uri="{FF2B5EF4-FFF2-40B4-BE49-F238E27FC236}">
-                <a16:creationId xmlns:a16="http://schemas.microsoft.com/office/drawing/2014/main" id="{CF7CE007-90A7-0EB5-3646-1333F47AF836}"/>
+                <a16:creationId xmlns:a16="http://schemas.microsoft.com/office/drawing/2014/main" id="{EC826AE3-432D-3A6D-E3BB-9F61D0960E64}"/>
               </a:ext>
             </a:extLst>
           </p:cNvPr>
@@ -2958,7 +2958,7 @@
           <p:cNvPr id="6" name="灯片编号占位符 5">
             <a:extLst>
               <a:ext uri="{FF2B5EF4-FFF2-40B4-BE49-F238E27FC236}">
-                <a16:creationId xmlns:a16="http://schemas.microsoft.com/office/drawing/2014/main" id="{0EA6D700-99FF-7F63-52D8-B4302D5B537D}"/>
+                <a16:creationId xmlns:a16="http://schemas.microsoft.com/office/drawing/2014/main" id="{E4CE02B5-EEA0-42AB-F11A-9EBB531F7AF6}"/>
               </a:ext>
             </a:extLst>
           </p:cNvPr>
@@ -2992,7 +2992,7 @@
             </a:lvl1pPr>
           </a:lstStyle>
           <a:p>
-            <a:fld id="{67F3A412-64A9-458C-B04D-7811C06F23F7}" type="slidenum">
+            <a:fld id="{09D9A95B-B16B-4731-A363-A36B223DFB9A}" type="slidenum">
               <a:rPr lang="zh-CN" altLang="en-US" smtClean="0"/>
               <a:t>‹#›</a:t>
             </a:fld>
@@ -3003,7 +3003,7 @@
     </p:spTree>
     <p:extLst>
       <p:ext uri="{BB962C8B-B14F-4D97-AF65-F5344CB8AC3E}">
-        <p14:creationId xmlns:p14="http://schemas.microsoft.com/office/powerpoint/2010/main" val="3583496760"/>
+        <p14:creationId xmlns:p14="http://schemas.microsoft.com/office/powerpoint/2010/main" val="3721913535"/>
       </p:ext>
     </p:extLst>
   </p:cSld>
@@ -3323,7 +3323,7 @@
       </p:grpSpPr>
       <p:pic>
         <p:nvPicPr>
-          <p:cNvPr id="634882" name="Picture 2" descr="619"/>
+          <p:cNvPr id="635906" name="Picture 2" descr="620"/>
           <p:cNvPicPr>
             <a:picLocks noChangeAspect="1" noChangeArrowheads="1"/>
           </p:cNvPicPr>
@@ -3375,158 +3375,11 @@
           </a:extLst>
         </p:spPr>
       </p:pic>
-      <p:pic>
-        <p:nvPicPr>
-          <p:cNvPr id="635907" name="Picture 3" descr="619-2"/>
-          <p:cNvPicPr>
-            <a:picLocks noChangeAspect="1" noChangeArrowheads="1"/>
-          </p:cNvPicPr>
-          <p:nvPr/>
-        </p:nvPicPr>
-        <p:blipFill>
-          <a:blip r:embed="rId3">
-            <a:extLst>
-              <a:ext uri="{28A0092B-C50C-407E-A947-70E740481C1C}">
-                <a14:useLocalDpi xmlns:a14="http://schemas.microsoft.com/office/drawing/2010/main" val="0"/>
-              </a:ext>
-            </a:extLst>
-          </a:blip>
-          <a:srcRect/>
-          <a:stretch>
-            <a:fillRect/>
-          </a:stretch>
-        </p:blipFill>
-        <p:spPr bwMode="auto">
-          <a:xfrm>
-            <a:off x="1560513" y="0"/>
-            <a:ext cx="9144000" cy="6858000"/>
-          </a:xfrm>
-          <a:prstGeom prst="rect">
-            <a:avLst/>
-          </a:prstGeom>
-          <a:noFill/>
-          <a:ln>
-            <a:noFill/>
-          </a:ln>
-          <a:effectLst/>
-          <a:extLst>
-            <a:ext uri="{909E8E84-426E-40DD-AFC4-6F175D3DCCD1}">
-              <a14:hiddenFill xmlns:a14="http://schemas.microsoft.com/office/drawing/2010/main">
-                <a:solidFill>
-                  <a:srgbClr val="FFFFFF"/>
-                </a:solidFill>
-              </a14:hiddenFill>
-            </a:ext>
-            <a:ext uri="{91240B29-F687-4F45-9708-019B960494DF}">
-              <a14:hiddenLine xmlns:a14="http://schemas.microsoft.com/office/drawing/2010/main" w="9525">
-                <a:solidFill>
-                  <a:srgbClr val="000000"/>
-                </a:solidFill>
-                <a:miter lim="800000"/>
-                <a:headEnd/>
-                <a:tailEnd/>
-              </a14:hiddenLine>
-            </a:ext>
-            <a:ext uri="{AF507438-7753-43E0-B8FC-AC1667EBCBE1}">
-              <a14:hiddenEffects xmlns:a14="http://schemas.microsoft.com/office/drawing/2010/main">
-                <a:effectLst>
-                  <a:outerShdw dist="35921" dir="2700000" algn="ctr" rotWithShape="0">
-                    <a:srgbClr val="808080"/>
-                  </a:outerShdw>
-                </a:effectLst>
-              </a14:hiddenEffects>
-            </a:ext>
-          </a:extLst>
-        </p:spPr>
-      </p:pic>
     </p:spTree>
   </p:cSld>
   <p:clrMapOvr>
     <a:masterClrMapping/>
   </p:clrMapOvr>
-  <p:timing>
-    <p:tnLst>
-      <p:par>
-        <p:cTn id="1" dur="indefinite" restart="never" nodeType="tmRoot">
-          <p:childTnLst>
-            <p:seq concurrent="1" nextAc="seek">
-              <p:cTn id="2" dur="indefinite" nodeType="mainSeq">
-                <p:childTnLst>
-                  <p:par>
-                    <p:cTn id="3" fill="hold" nodeType="clickPar">
-                      <p:stCondLst>
-                        <p:cond delay="indefinite"/>
-                      </p:stCondLst>
-                      <p:childTnLst>
-                        <p:par>
-                          <p:cTn id="4" fill="hold" nodeType="withGroup">
-                            <p:stCondLst>
-                              <p:cond delay="0"/>
-                            </p:stCondLst>
-                            <p:childTnLst>
-                              <p:par>
-                                <p:cTn id="5" presetID="10" presetClass="entr" presetSubtype="0" fill="hold" nodeType="clickEffect">
-                                  <p:stCondLst>
-                                    <p:cond delay="0"/>
-                                  </p:stCondLst>
-                                  <p:childTnLst>
-                                    <p:set>
-                                      <p:cBhvr>
-                                        <p:cTn id="6" dur="1" fill="hold">
-                                          <p:stCondLst>
-                                            <p:cond delay="0"/>
-                                          </p:stCondLst>
-                                        </p:cTn>
-                                        <p:tgtEl>
-                                          <p:spTgt spid="635907"/>
-                                        </p:tgtEl>
-                                        <p:attrNameLst>
-                                          <p:attrName>style.visibility</p:attrName>
-                                        </p:attrNameLst>
-                                      </p:cBhvr>
-                                      <p:to>
-                                        <p:strVal val="visible"/>
-                                      </p:to>
-                                    </p:set>
-                                    <p:animEffect transition="in" filter="fade">
-                                      <p:cBhvr>
-                                        <p:cTn id="7" dur="500"/>
-                                        <p:tgtEl>
-                                          <p:spTgt spid="635907"/>
-                                        </p:tgtEl>
-                                      </p:cBhvr>
-                                    </p:animEffect>
-                                  </p:childTnLst>
-                                </p:cTn>
-                              </p:par>
-                            </p:childTnLst>
-                          </p:cTn>
-                        </p:par>
-                      </p:childTnLst>
-                    </p:cTn>
-                  </p:par>
-                </p:childTnLst>
-              </p:cTn>
-              <p:prevCondLst>
-                <p:cond evt="onPrev" delay="0">
-                  <p:tgtEl>
-                    <p:sldTgt/>
-                  </p:tgtEl>
-                </p:cond>
-              </p:prevCondLst>
-              <p:nextCondLst>
-                <p:cond evt="onNext" delay="0">
-                  <p:tgtEl>
-                    <p:sldTgt/>
-                  </p:tgtEl>
-                </p:cond>
-              </p:nextCondLst>
-            </p:seq>
-          </p:childTnLst>
-        </p:cTn>
-      </p:par>
-    </p:tnLst>
-  </p:timing>
 </p:sld>
 </file>
 
